--- a/presentaciòn.pptx
+++ b/presentaciòn.pptx
@@ -186,7 +186,7 @@
           <a:noFill/>
           <a:extLst>
             <a:ext uri="{909E8E84-426E-40dd-AFC4-6F175D3DCCD1}">
-              <a14:hiddenFill xmlns="" xmlns:a14="http://schemas.microsoft.com/office/drawing/2010/main">
+              <a14:hiddenFill xmlns:a14="http://schemas.microsoft.com/office/drawing/2010/main" xmlns="">
                 <a:solidFill>
                   <a:srgbClr val="FFFFFF"/>
                 </a:solidFill>
@@ -246,7 +246,7 @@
             </a:ln>
             <a:extLst>
               <a:ext uri="{91240B29-F687-4f45-9708-019B960494DF}">
-                <a14:hiddenLine xmlns="" xmlns:a14="http://schemas.microsoft.com/office/drawing/2010/main" w="9525">
+                <a14:hiddenLine xmlns:a14="http://schemas.microsoft.com/office/drawing/2010/main" xmlns="" w="9525">
                   <a:solidFill>
                     <a:srgbClr val="000000"/>
                   </a:solidFill>
@@ -336,7 +336,7 @@
             </a:ln>
             <a:extLst>
               <a:ext uri="{91240B29-F687-4f45-9708-019B960494DF}">
-                <a14:hiddenLine xmlns="" xmlns:a14="http://schemas.microsoft.com/office/drawing/2010/main" w="9525">
+                <a14:hiddenLine xmlns:a14="http://schemas.microsoft.com/office/drawing/2010/main" xmlns="" w="9525">
                   <a:solidFill>
                     <a:srgbClr val="000000"/>
                   </a:solidFill>
@@ -426,7 +426,7 @@
             </a:ln>
             <a:extLst>
               <a:ext uri="{91240B29-F687-4f45-9708-019B960494DF}">
-                <a14:hiddenLine xmlns="" xmlns:a14="http://schemas.microsoft.com/office/drawing/2010/main" w="9525">
+                <a14:hiddenLine xmlns:a14="http://schemas.microsoft.com/office/drawing/2010/main" xmlns="" w="9525">
                   <a:solidFill>
                     <a:srgbClr val="000000"/>
                   </a:solidFill>
@@ -460,7 +460,7 @@
             </a:ln>
             <a:extLst>
               <a:ext uri="{91240B29-F687-4f45-9708-019B960494DF}">
-                <a14:hiddenLine xmlns="" xmlns:a14="http://schemas.microsoft.com/office/drawing/2010/main" w="9525">
+                <a14:hiddenLine xmlns:a14="http://schemas.microsoft.com/office/drawing/2010/main" xmlns="" w="9525">
                   <a:solidFill>
                     <a:srgbClr val="000000"/>
                   </a:solidFill>
@@ -550,7 +550,7 @@
             </a:ln>
             <a:extLst>
               <a:ext uri="{91240B29-F687-4f45-9708-019B960494DF}">
-                <a14:hiddenLine xmlns="" xmlns:a14="http://schemas.microsoft.com/office/drawing/2010/main" w="9525">
+                <a14:hiddenLine xmlns:a14="http://schemas.microsoft.com/office/drawing/2010/main" xmlns="" w="9525">
                   <a:solidFill>
                     <a:srgbClr val="000000"/>
                   </a:solidFill>
@@ -612,7 +612,7 @@
             </a:ln>
             <a:extLst>
               <a:ext uri="{91240B29-F687-4f45-9708-019B960494DF}">
-                <a14:hiddenLine xmlns="" xmlns:a14="http://schemas.microsoft.com/office/drawing/2010/main" w="9525">
+                <a14:hiddenLine xmlns:a14="http://schemas.microsoft.com/office/drawing/2010/main" xmlns="" w="9525">
                   <a:solidFill>
                     <a:srgbClr val="000000"/>
                   </a:solidFill>
@@ -674,7 +674,7 @@
             </a:ln>
             <a:extLst>
               <a:ext uri="{91240B29-F687-4f45-9708-019B960494DF}">
-                <a14:hiddenLine xmlns="" xmlns:a14="http://schemas.microsoft.com/office/drawing/2010/main" w="9525">
+                <a14:hiddenLine xmlns:a14="http://schemas.microsoft.com/office/drawing/2010/main" xmlns="" w="9525">
                   <a:solidFill>
                     <a:srgbClr val="000000"/>
                   </a:solidFill>
@@ -764,7 +764,7 @@
             </a:ln>
             <a:extLst>
               <a:ext uri="{91240B29-F687-4f45-9708-019B960494DF}">
-                <a14:hiddenLine xmlns="" xmlns:a14="http://schemas.microsoft.com/office/drawing/2010/main" w="9525">
+                <a14:hiddenLine xmlns:a14="http://schemas.microsoft.com/office/drawing/2010/main" xmlns="" w="9525">
                   <a:solidFill>
                     <a:srgbClr val="000000"/>
                   </a:solidFill>
@@ -826,7 +826,7 @@
             </a:ln>
             <a:extLst>
               <a:ext uri="{91240B29-F687-4f45-9708-019B960494DF}">
-                <a14:hiddenLine xmlns="" xmlns:a14="http://schemas.microsoft.com/office/drawing/2010/main" w="9525">
+                <a14:hiddenLine xmlns:a14="http://schemas.microsoft.com/office/drawing/2010/main" xmlns="" w="9525">
                   <a:solidFill>
                     <a:srgbClr val="000000"/>
                   </a:solidFill>
@@ -888,7 +888,7 @@
             </a:ln>
             <a:extLst>
               <a:ext uri="{91240B29-F687-4f45-9708-019B960494DF}">
-                <a14:hiddenLine xmlns="" xmlns:a14="http://schemas.microsoft.com/office/drawing/2010/main" w="9525">
+                <a14:hiddenLine xmlns:a14="http://schemas.microsoft.com/office/drawing/2010/main" xmlns="" w="9525">
                   <a:solidFill>
                     <a:srgbClr val="000000"/>
                   </a:solidFill>
@@ -978,7 +978,7 @@
             </a:ln>
             <a:extLst>
               <a:ext uri="{91240B29-F687-4f45-9708-019B960494DF}">
-                <a14:hiddenLine xmlns="" xmlns:a14="http://schemas.microsoft.com/office/drawing/2010/main" w="9525">
+                <a14:hiddenLine xmlns:a14="http://schemas.microsoft.com/office/drawing/2010/main" xmlns="" w="9525">
                   <a:solidFill>
                     <a:srgbClr val="000000"/>
                   </a:solidFill>
@@ -1068,7 +1068,7 @@
             </a:ln>
             <a:extLst>
               <a:ext uri="{91240B29-F687-4f45-9708-019B960494DF}">
-                <a14:hiddenLine xmlns="" xmlns:a14="http://schemas.microsoft.com/office/drawing/2010/main" w="9525">
+                <a14:hiddenLine xmlns:a14="http://schemas.microsoft.com/office/drawing/2010/main" xmlns="" w="9525">
                   <a:solidFill>
                     <a:srgbClr val="000000"/>
                   </a:solidFill>
@@ -1130,7 +1130,7 @@
             </a:ln>
             <a:extLst>
               <a:ext uri="{91240B29-F687-4f45-9708-019B960494DF}">
-                <a14:hiddenLine xmlns="" xmlns:a14="http://schemas.microsoft.com/office/drawing/2010/main" w="9525">
+                <a14:hiddenLine xmlns:a14="http://schemas.microsoft.com/office/drawing/2010/main" xmlns="" w="9525">
                   <a:solidFill>
                     <a:srgbClr val="000000"/>
                   </a:solidFill>
@@ -1240,7 +1240,7 @@
             </a:ln>
             <a:extLst>
               <a:ext uri="{91240B29-F687-4f45-9708-019B960494DF}">
-                <a14:hiddenLine xmlns="" xmlns:a14="http://schemas.microsoft.com/office/drawing/2010/main" w="9525">
+                <a14:hiddenLine xmlns:a14="http://schemas.microsoft.com/office/drawing/2010/main" xmlns="" w="9525">
                   <a:solidFill>
                     <a:srgbClr val="000000"/>
                   </a:solidFill>
@@ -1302,7 +1302,7 @@
             </a:ln>
             <a:extLst>
               <a:ext uri="{91240B29-F687-4f45-9708-019B960494DF}">
-                <a14:hiddenLine xmlns="" xmlns:a14="http://schemas.microsoft.com/office/drawing/2010/main" w="9525">
+                <a14:hiddenLine xmlns:a14="http://schemas.microsoft.com/office/drawing/2010/main" xmlns="" w="9525">
                   <a:solidFill>
                     <a:srgbClr val="000000"/>
                   </a:solidFill>
@@ -1392,7 +1392,7 @@
             </a:ln>
             <a:extLst>
               <a:ext uri="{91240B29-F687-4f45-9708-019B960494DF}">
-                <a14:hiddenLine xmlns="" xmlns:a14="http://schemas.microsoft.com/office/drawing/2010/main" w="9525">
+                <a14:hiddenLine xmlns:a14="http://schemas.microsoft.com/office/drawing/2010/main" xmlns="" w="9525">
                   <a:solidFill>
                     <a:srgbClr val="000000"/>
                   </a:solidFill>
@@ -1482,7 +1482,7 @@
             </a:ln>
             <a:extLst>
               <a:ext uri="{91240B29-F687-4f45-9708-019B960494DF}">
-                <a14:hiddenLine xmlns="" xmlns:a14="http://schemas.microsoft.com/office/drawing/2010/main" w="9525">
+                <a14:hiddenLine xmlns:a14="http://schemas.microsoft.com/office/drawing/2010/main" xmlns="" w="9525">
                   <a:solidFill>
                     <a:srgbClr val="000000"/>
                   </a:solidFill>
@@ -1544,7 +1544,7 @@
             </a:ln>
             <a:extLst>
               <a:ext uri="{91240B29-F687-4f45-9708-019B960494DF}">
-                <a14:hiddenLine xmlns="" xmlns:a14="http://schemas.microsoft.com/office/drawing/2010/main" w="9525">
+                <a14:hiddenLine xmlns:a14="http://schemas.microsoft.com/office/drawing/2010/main" xmlns="" w="9525">
                   <a:solidFill>
                     <a:srgbClr val="000000"/>
                   </a:solidFill>
@@ -1634,7 +1634,7 @@
             </a:ln>
             <a:extLst>
               <a:ext uri="{91240B29-F687-4f45-9708-019B960494DF}">
-                <a14:hiddenLine xmlns="" xmlns:a14="http://schemas.microsoft.com/office/drawing/2010/main" w="9525">
+                <a14:hiddenLine xmlns:a14="http://schemas.microsoft.com/office/drawing/2010/main" xmlns="" w="9525">
                   <a:solidFill>
                     <a:srgbClr val="000000"/>
                   </a:solidFill>
@@ -1724,7 +1724,7 @@
             </a:ln>
             <a:extLst>
               <a:ext uri="{91240B29-F687-4f45-9708-019B960494DF}">
-                <a14:hiddenLine xmlns="" xmlns:a14="http://schemas.microsoft.com/office/drawing/2010/main" w="9525">
+                <a14:hiddenLine xmlns:a14="http://schemas.microsoft.com/office/drawing/2010/main" xmlns="" w="9525">
                   <a:solidFill>
                     <a:srgbClr val="000000"/>
                   </a:solidFill>
@@ -1780,7 +1780,7 @@
             </a:ln>
             <a:extLst>
               <a:ext uri="{91240B29-F687-4f45-9708-019B960494DF}">
-                <a14:hiddenLine xmlns="" xmlns:a14="http://schemas.microsoft.com/office/drawing/2010/main" w="9525">
+                <a14:hiddenLine xmlns:a14="http://schemas.microsoft.com/office/drawing/2010/main" xmlns="" w="9525">
                   <a:solidFill>
                     <a:srgbClr val="000000"/>
                   </a:solidFill>
@@ -1870,7 +1870,7 @@
             </a:ln>
             <a:extLst>
               <a:ext uri="{91240B29-F687-4f45-9708-019B960494DF}">
-                <a14:hiddenLine xmlns="" xmlns:a14="http://schemas.microsoft.com/office/drawing/2010/main" w="9525">
+                <a14:hiddenLine xmlns:a14="http://schemas.microsoft.com/office/drawing/2010/main" xmlns="" w="9525">
                   <a:solidFill>
                     <a:srgbClr val="000000"/>
                   </a:solidFill>
@@ -1926,7 +1926,7 @@
             </a:ln>
             <a:extLst>
               <a:ext uri="{91240B29-F687-4f45-9708-019B960494DF}">
-                <a14:hiddenLine xmlns="" xmlns:a14="http://schemas.microsoft.com/office/drawing/2010/main" w="9525">
+                <a14:hiddenLine xmlns:a14="http://schemas.microsoft.com/office/drawing/2010/main" xmlns="" w="9525">
                   <a:solidFill>
                     <a:srgbClr val="000000"/>
                   </a:solidFill>
@@ -2016,7 +2016,7 @@
             </a:ln>
             <a:extLst>
               <a:ext uri="{91240B29-F687-4f45-9708-019B960494DF}">
-                <a14:hiddenLine xmlns="" xmlns:a14="http://schemas.microsoft.com/office/drawing/2010/main" w="9525">
+                <a14:hiddenLine xmlns:a14="http://schemas.microsoft.com/office/drawing/2010/main" xmlns="" w="9525">
                   <a:solidFill>
                     <a:srgbClr val="000000"/>
                   </a:solidFill>
@@ -2084,7 +2084,7 @@
             </a:ln>
             <a:extLst>
               <a:ext uri="{91240B29-F687-4f45-9708-019B960494DF}">
-                <a14:hiddenLine xmlns="" xmlns:a14="http://schemas.microsoft.com/office/drawing/2010/main" w="9525">
+                <a14:hiddenLine xmlns:a14="http://schemas.microsoft.com/office/drawing/2010/main" xmlns="" w="9525">
                   <a:solidFill>
                     <a:srgbClr val="000000"/>
                   </a:solidFill>
@@ -2174,7 +2174,7 @@
             </a:ln>
             <a:extLst>
               <a:ext uri="{91240B29-F687-4f45-9708-019B960494DF}">
-                <a14:hiddenLine xmlns="" xmlns:a14="http://schemas.microsoft.com/office/drawing/2010/main" w="9525">
+                <a14:hiddenLine xmlns:a14="http://schemas.microsoft.com/office/drawing/2010/main" xmlns="" w="9525">
                   <a:solidFill>
                     <a:srgbClr val="000000"/>
                   </a:solidFill>
@@ -2242,7 +2242,7 @@
             </a:ln>
             <a:extLst>
               <a:ext uri="{91240B29-F687-4f45-9708-019B960494DF}">
-                <a14:hiddenLine xmlns="" xmlns:a14="http://schemas.microsoft.com/office/drawing/2010/main" w="9525">
+                <a14:hiddenLine xmlns:a14="http://schemas.microsoft.com/office/drawing/2010/main" xmlns="" w="9525">
                   <a:solidFill>
                     <a:srgbClr val="000000"/>
                   </a:solidFill>
@@ -2332,7 +2332,7 @@
             </a:ln>
             <a:extLst>
               <a:ext uri="{91240B29-F687-4f45-9708-019B960494DF}">
-                <a14:hiddenLine xmlns="" xmlns:a14="http://schemas.microsoft.com/office/drawing/2010/main" w="9525">
+                <a14:hiddenLine xmlns:a14="http://schemas.microsoft.com/office/drawing/2010/main" xmlns="" w="9525">
                   <a:solidFill>
                     <a:srgbClr val="000000"/>
                   </a:solidFill>
@@ -2366,7 +2366,7 @@
             </a:ln>
             <a:extLst>
               <a:ext uri="{91240B29-F687-4f45-9708-019B960494DF}">
-                <a14:hiddenLine xmlns="" xmlns:a14="http://schemas.microsoft.com/office/drawing/2010/main" w="9525">
+                <a14:hiddenLine xmlns:a14="http://schemas.microsoft.com/office/drawing/2010/main" xmlns="" w="9525">
                   <a:solidFill>
                     <a:srgbClr val="000000"/>
                   </a:solidFill>
@@ -2456,7 +2456,7 @@
             </a:ln>
             <a:extLst>
               <a:ext uri="{91240B29-F687-4f45-9708-019B960494DF}">
-                <a14:hiddenLine xmlns="" xmlns:a14="http://schemas.microsoft.com/office/drawing/2010/main" w="9525">
+                <a14:hiddenLine xmlns:a14="http://schemas.microsoft.com/office/drawing/2010/main" xmlns="" w="9525">
                   <a:solidFill>
                     <a:srgbClr val="000000"/>
                   </a:solidFill>
@@ -2518,7 +2518,7 @@
             </a:ln>
             <a:extLst>
               <a:ext uri="{91240B29-F687-4f45-9708-019B960494DF}">
-                <a14:hiddenLine xmlns="" xmlns:a14="http://schemas.microsoft.com/office/drawing/2010/main" w="9525">
+                <a14:hiddenLine xmlns:a14="http://schemas.microsoft.com/office/drawing/2010/main" xmlns="" w="9525">
                   <a:solidFill>
                     <a:srgbClr val="000000"/>
                   </a:solidFill>
@@ -2580,7 +2580,7 @@
             </a:ln>
             <a:extLst>
               <a:ext uri="{91240B29-F687-4f45-9708-019B960494DF}">
-                <a14:hiddenLine xmlns="" xmlns:a14="http://schemas.microsoft.com/office/drawing/2010/main" w="9525">
+                <a14:hiddenLine xmlns:a14="http://schemas.microsoft.com/office/drawing/2010/main" xmlns="" w="9525">
                   <a:solidFill>
                     <a:srgbClr val="000000"/>
                   </a:solidFill>
@@ -2670,7 +2670,7 @@
             </a:ln>
             <a:extLst>
               <a:ext uri="{91240B29-F687-4f45-9708-019B960494DF}">
-                <a14:hiddenLine xmlns="" xmlns:a14="http://schemas.microsoft.com/office/drawing/2010/main" w="9525">
+                <a14:hiddenLine xmlns:a14="http://schemas.microsoft.com/office/drawing/2010/main" xmlns="" w="9525">
                   <a:solidFill>
                     <a:srgbClr val="000000"/>
                   </a:solidFill>
@@ -2738,7 +2738,7 @@
             </a:ln>
             <a:extLst>
               <a:ext uri="{91240B29-F687-4f45-9708-019B960494DF}">
-                <a14:hiddenLine xmlns="" xmlns:a14="http://schemas.microsoft.com/office/drawing/2010/main" w="9525">
+                <a14:hiddenLine xmlns:a14="http://schemas.microsoft.com/office/drawing/2010/main" xmlns="" w="9525">
                   <a:solidFill>
                     <a:srgbClr val="000000"/>
                   </a:solidFill>
@@ -2800,7 +2800,7 @@
             </a:ln>
             <a:extLst>
               <a:ext uri="{91240B29-F687-4f45-9708-019B960494DF}">
-                <a14:hiddenLine xmlns="" xmlns:a14="http://schemas.microsoft.com/office/drawing/2010/main" w="9525">
+                <a14:hiddenLine xmlns:a14="http://schemas.microsoft.com/office/drawing/2010/main" xmlns="" w="9525">
                   <a:solidFill>
                     <a:srgbClr val="000000"/>
                   </a:solidFill>
@@ -2890,7 +2890,7 @@
             </a:ln>
             <a:extLst>
               <a:ext uri="{91240B29-F687-4f45-9708-019B960494DF}">
-                <a14:hiddenLine xmlns="" xmlns:a14="http://schemas.microsoft.com/office/drawing/2010/main" w="9525">
+                <a14:hiddenLine xmlns:a14="http://schemas.microsoft.com/office/drawing/2010/main" xmlns="" w="9525">
                   <a:solidFill>
                     <a:srgbClr val="000000"/>
                   </a:solidFill>
@@ -2952,7 +2952,7 @@
             </a:ln>
             <a:extLst>
               <a:ext uri="{91240B29-F687-4f45-9708-019B960494DF}">
-                <a14:hiddenLine xmlns="" xmlns:a14="http://schemas.microsoft.com/office/drawing/2010/main" w="9525">
+                <a14:hiddenLine xmlns:a14="http://schemas.microsoft.com/office/drawing/2010/main" xmlns="" w="9525">
                   <a:solidFill>
                     <a:srgbClr val="000000"/>
                   </a:solidFill>
@@ -3042,7 +3042,7 @@
             </a:ln>
             <a:extLst>
               <a:ext uri="{91240B29-F687-4f45-9708-019B960494DF}">
-                <a14:hiddenLine xmlns="" xmlns:a14="http://schemas.microsoft.com/office/drawing/2010/main" w="9525">
+                <a14:hiddenLine xmlns:a14="http://schemas.microsoft.com/office/drawing/2010/main" xmlns="" w="9525">
                   <a:solidFill>
                     <a:srgbClr val="000000"/>
                   </a:solidFill>
@@ -3104,7 +3104,7 @@
             </a:ln>
             <a:extLst>
               <a:ext uri="{91240B29-F687-4f45-9708-019B960494DF}">
-                <a14:hiddenLine xmlns="" xmlns:a14="http://schemas.microsoft.com/office/drawing/2010/main" w="9525">
+                <a14:hiddenLine xmlns:a14="http://schemas.microsoft.com/office/drawing/2010/main" xmlns="" w="9525">
                   <a:solidFill>
                     <a:srgbClr val="000000"/>
                   </a:solidFill>
@@ -3194,7 +3194,7 @@
             </a:ln>
             <a:extLst>
               <a:ext uri="{91240B29-F687-4f45-9708-019B960494DF}">
-                <a14:hiddenLine xmlns="" xmlns:a14="http://schemas.microsoft.com/office/drawing/2010/main" w="9525">
+                <a14:hiddenLine xmlns:a14="http://schemas.microsoft.com/office/drawing/2010/main" xmlns="" w="9525">
                   <a:solidFill>
                     <a:srgbClr val="000000"/>
                   </a:solidFill>
@@ -3228,7 +3228,7 @@
             </a:ln>
             <a:extLst>
               <a:ext uri="{91240B29-F687-4f45-9708-019B960494DF}">
-                <a14:hiddenLine xmlns="" xmlns:a14="http://schemas.microsoft.com/office/drawing/2010/main" w="9525">
+                <a14:hiddenLine xmlns:a14="http://schemas.microsoft.com/office/drawing/2010/main" xmlns="" w="9525">
                   <a:solidFill>
                     <a:srgbClr val="000000"/>
                   </a:solidFill>
@@ -3293,7 +3293,7 @@
             </a:ln>
             <a:extLst>
               <a:ext uri="{91240B29-F687-4f45-9708-019B960494DF}">
-                <a14:hiddenLine xmlns="" xmlns:a14="http://schemas.microsoft.com/office/drawing/2010/main" w="9525">
+                <a14:hiddenLine xmlns:a14="http://schemas.microsoft.com/office/drawing/2010/main" xmlns="" w="9525">
                   <a:solidFill>
                     <a:srgbClr val="000000"/>
                   </a:solidFill>
@@ -3383,7 +3383,7 @@
             </a:ln>
             <a:extLst>
               <a:ext uri="{91240B29-F687-4f45-9708-019B960494DF}">
-                <a14:hiddenLine xmlns="" xmlns:a14="http://schemas.microsoft.com/office/drawing/2010/main" w="9525">
+                <a14:hiddenLine xmlns:a14="http://schemas.microsoft.com/office/drawing/2010/main" xmlns="" w="9525">
                   <a:solidFill>
                     <a:srgbClr val="000000"/>
                   </a:solidFill>
@@ -3445,7 +3445,7 @@
             </a:ln>
             <a:extLst>
               <a:ext uri="{91240B29-F687-4f45-9708-019B960494DF}">
-                <a14:hiddenLine xmlns="" xmlns:a14="http://schemas.microsoft.com/office/drawing/2010/main" w="9525">
+                <a14:hiddenLine xmlns:a14="http://schemas.microsoft.com/office/drawing/2010/main" xmlns="" w="9525">
                   <a:solidFill>
                     <a:srgbClr val="000000"/>
                   </a:solidFill>
@@ -3535,7 +3535,7 @@
             </a:ln>
             <a:extLst>
               <a:ext uri="{91240B29-F687-4f45-9708-019B960494DF}">
-                <a14:hiddenLine xmlns="" xmlns:a14="http://schemas.microsoft.com/office/drawing/2010/main" w="9525">
+                <a14:hiddenLine xmlns:a14="http://schemas.microsoft.com/office/drawing/2010/main" xmlns="" w="9525">
                   <a:solidFill>
                     <a:srgbClr val="000000"/>
                   </a:solidFill>
@@ -3625,7 +3625,7 @@
             </a:ln>
             <a:extLst>
               <a:ext uri="{91240B29-F687-4f45-9708-019B960494DF}">
-                <a14:hiddenLine xmlns="" xmlns:a14="http://schemas.microsoft.com/office/drawing/2010/main" w="9525">
+                <a14:hiddenLine xmlns:a14="http://schemas.microsoft.com/office/drawing/2010/main" xmlns="" w="9525">
                   <a:solidFill>
                     <a:srgbClr val="000000"/>
                   </a:solidFill>
@@ -3690,7 +3690,7 @@
             </a:ln>
             <a:extLst>
               <a:ext uri="{91240B29-F687-4f45-9708-019B960494DF}">
-                <a14:hiddenLine xmlns="" xmlns:a14="http://schemas.microsoft.com/office/drawing/2010/main" w="9525">
+                <a14:hiddenLine xmlns:a14="http://schemas.microsoft.com/office/drawing/2010/main" xmlns="" w="9525">
                   <a:solidFill>
                     <a:srgbClr val="000000"/>
                   </a:solidFill>
@@ -3752,7 +3752,7 @@
             </a:ln>
             <a:extLst>
               <a:ext uri="{91240B29-F687-4f45-9708-019B960494DF}">
-                <a14:hiddenLine xmlns="" xmlns:a14="http://schemas.microsoft.com/office/drawing/2010/main" w="9525">
+                <a14:hiddenLine xmlns:a14="http://schemas.microsoft.com/office/drawing/2010/main" xmlns="" w="9525">
                   <a:solidFill>
                     <a:srgbClr val="000000"/>
                   </a:solidFill>
@@ -3842,7 +3842,7 @@
             </a:ln>
             <a:extLst>
               <a:ext uri="{91240B29-F687-4f45-9708-019B960494DF}">
-                <a14:hiddenLine xmlns="" xmlns:a14="http://schemas.microsoft.com/office/drawing/2010/main" w="9525">
+                <a14:hiddenLine xmlns:a14="http://schemas.microsoft.com/office/drawing/2010/main" xmlns="" w="9525">
                   <a:solidFill>
                     <a:srgbClr val="000000"/>
                   </a:solidFill>
@@ -3932,7 +3932,7 @@
             </a:ln>
             <a:extLst>
               <a:ext uri="{91240B29-F687-4f45-9708-019B960494DF}">
-                <a14:hiddenLine xmlns="" xmlns:a14="http://schemas.microsoft.com/office/drawing/2010/main" w="9525">
+                <a14:hiddenLine xmlns:a14="http://schemas.microsoft.com/office/drawing/2010/main" xmlns="" w="9525">
                   <a:solidFill>
                     <a:srgbClr val="000000"/>
                   </a:solidFill>
@@ -3994,7 +3994,7 @@
             </a:ln>
             <a:extLst>
               <a:ext uri="{91240B29-F687-4f45-9708-019B960494DF}">
-                <a14:hiddenLine xmlns="" xmlns:a14="http://schemas.microsoft.com/office/drawing/2010/main" w="9525">
+                <a14:hiddenLine xmlns:a14="http://schemas.microsoft.com/office/drawing/2010/main" xmlns="" w="9525">
                   <a:solidFill>
                     <a:srgbClr val="000000"/>
                   </a:solidFill>
@@ -4114,7 +4114,7 @@
             </a:ln>
             <a:extLst>
               <a:ext uri="{91240B29-F687-4f45-9708-019B960494DF}">
-                <a14:hiddenLine xmlns="" xmlns:a14="http://schemas.microsoft.com/office/drawing/2010/main" w="9525">
+                <a14:hiddenLine xmlns:a14="http://schemas.microsoft.com/office/drawing/2010/main" xmlns="" w="9525">
                   <a:solidFill>
                     <a:srgbClr val="000000"/>
                   </a:solidFill>
@@ -4182,7 +4182,7 @@
             </a:ln>
             <a:extLst>
               <a:ext uri="{91240B29-F687-4f45-9708-019B960494DF}">
-                <a14:hiddenLine xmlns="" xmlns:a14="http://schemas.microsoft.com/office/drawing/2010/main" w="9525">
+                <a14:hiddenLine xmlns:a14="http://schemas.microsoft.com/office/drawing/2010/main" xmlns="" w="9525">
                   <a:solidFill>
                     <a:srgbClr val="000000"/>
                   </a:solidFill>
@@ -4272,7 +4272,7 @@
             </a:ln>
             <a:extLst>
               <a:ext uri="{91240B29-F687-4f45-9708-019B960494DF}">
-                <a14:hiddenLine xmlns="" xmlns:a14="http://schemas.microsoft.com/office/drawing/2010/main" w="9525">
+                <a14:hiddenLine xmlns:a14="http://schemas.microsoft.com/office/drawing/2010/main" xmlns="" w="9525">
                   <a:solidFill>
                     <a:srgbClr val="000000"/>
                   </a:solidFill>
@@ -4583,7 +4583,7 @@
               <a:buNone/>
             </a:pPr>
             <a:r>
-              <a:rPr lang="es-ES"/>
+              <a:rPr lang="es-ES" dirty="0"/>
               <a:t>Haga clic en el icono para agregar una imagen</a:t>
             </a:r>
             <a:endParaRPr lang="en-US" dirty="0"/>
@@ -6319,7 +6319,7 @@
               <a:buNone/>
             </a:pPr>
             <a:r>
-              <a:rPr lang="es-ES"/>
+              <a:rPr lang="es-ES" dirty="0"/>
               <a:t>Haga clic en el icono para agregar una imagen</a:t>
             </a:r>
             <a:endParaRPr lang="en-US" dirty="0"/>
@@ -6518,7 +6518,7 @@
               <a:buNone/>
             </a:pPr>
             <a:r>
-              <a:rPr lang="es-ES"/>
+              <a:rPr lang="es-ES" dirty="0"/>
               <a:t>Haga clic en el icono para agregar una imagen</a:t>
             </a:r>
             <a:endParaRPr lang="en-US" dirty="0"/>
@@ -6717,7 +6717,7 @@
               <a:buNone/>
             </a:pPr>
             <a:r>
-              <a:rPr lang="es-ES"/>
+              <a:rPr lang="es-ES" dirty="0"/>
               <a:t>Haga clic en el icono para agregar una imagen</a:t>
             </a:r>
             <a:endParaRPr lang="en-US" dirty="0"/>
@@ -8794,7 +8794,7 @@
           </a:lstStyle>
           <a:p>
             <a:r>
-              <a:rPr lang="es-ES"/>
+              <a:rPr lang="es-ES" dirty="0"/>
               <a:t>Haga clic en el icono para agregar una imagen</a:t>
             </a:r>
             <a:endParaRPr lang="en-US" dirty="0"/>
@@ -9001,7 +9001,7 @@
           <a:noFill/>
           <a:extLst>
             <a:ext uri="{909E8E84-426E-40dd-AFC4-6F175D3DCCD1}">
-              <a14:hiddenFill xmlns="" xmlns:a14="http://schemas.microsoft.com/office/drawing/2010/main">
+              <a14:hiddenFill xmlns:a14="http://schemas.microsoft.com/office/drawing/2010/main" xmlns="">
                 <a:solidFill>
                   <a:srgbClr val="FFFFFF"/>
                 </a:solidFill>
@@ -9075,7 +9075,7 @@
               </a:ln>
               <a:extLst>
                 <a:ext uri="{91240B29-F687-4f45-9708-019B960494DF}">
-                  <a14:hiddenLine xmlns="" xmlns:a14="http://schemas.microsoft.com/office/drawing/2010/main" w="9525">
+                  <a14:hiddenLine xmlns:a14="http://schemas.microsoft.com/office/drawing/2010/main" xmlns="" w="9525">
                     <a:solidFill>
                       <a:srgbClr val="000000"/>
                     </a:solidFill>
@@ -9165,7 +9165,7 @@
               </a:ln>
               <a:extLst>
                 <a:ext uri="{91240B29-F687-4f45-9708-019B960494DF}">
-                  <a14:hiddenLine xmlns="" xmlns:a14="http://schemas.microsoft.com/office/drawing/2010/main" w="9525">
+                  <a14:hiddenLine xmlns:a14="http://schemas.microsoft.com/office/drawing/2010/main" xmlns="" w="9525">
                     <a:solidFill>
                       <a:srgbClr val="000000"/>
                     </a:solidFill>
@@ -9255,7 +9255,7 @@
               </a:ln>
               <a:extLst>
                 <a:ext uri="{91240B29-F687-4f45-9708-019B960494DF}">
-                  <a14:hiddenLine xmlns="" xmlns:a14="http://schemas.microsoft.com/office/drawing/2010/main" w="9525">
+                  <a14:hiddenLine xmlns:a14="http://schemas.microsoft.com/office/drawing/2010/main" xmlns="" w="9525">
                     <a:solidFill>
                       <a:srgbClr val="000000"/>
                     </a:solidFill>
@@ -9317,7 +9317,7 @@
               </a:ln>
               <a:extLst>
                 <a:ext uri="{91240B29-F687-4f45-9708-019B960494DF}">
-                  <a14:hiddenLine xmlns="" xmlns:a14="http://schemas.microsoft.com/office/drawing/2010/main" w="9525">
+                  <a14:hiddenLine xmlns:a14="http://schemas.microsoft.com/office/drawing/2010/main" xmlns="" w="9525">
                     <a:solidFill>
                       <a:srgbClr val="000000"/>
                     </a:solidFill>
@@ -9407,7 +9407,7 @@
               </a:ln>
               <a:extLst>
                 <a:ext uri="{91240B29-F687-4f45-9708-019B960494DF}">
-                  <a14:hiddenLine xmlns="" xmlns:a14="http://schemas.microsoft.com/office/drawing/2010/main" w="9525">
+                  <a14:hiddenLine xmlns:a14="http://schemas.microsoft.com/office/drawing/2010/main" xmlns="" w="9525">
                     <a:solidFill>
                       <a:srgbClr val="000000"/>
                     </a:solidFill>
@@ -9469,7 +9469,7 @@
               </a:ln>
               <a:extLst>
                 <a:ext uri="{91240B29-F687-4f45-9708-019B960494DF}">
-                  <a14:hiddenLine xmlns="" xmlns:a14="http://schemas.microsoft.com/office/drawing/2010/main" w="9525">
+                  <a14:hiddenLine xmlns:a14="http://schemas.microsoft.com/office/drawing/2010/main" xmlns="" w="9525">
                     <a:solidFill>
                       <a:srgbClr val="000000"/>
                     </a:solidFill>
@@ -9531,7 +9531,7 @@
               </a:ln>
               <a:extLst>
                 <a:ext uri="{91240B29-F687-4f45-9708-019B960494DF}">
-                  <a14:hiddenLine xmlns="" xmlns:a14="http://schemas.microsoft.com/office/drawing/2010/main" w="9525">
+                  <a14:hiddenLine xmlns:a14="http://schemas.microsoft.com/office/drawing/2010/main" xmlns="" w="9525">
                     <a:solidFill>
                       <a:srgbClr val="000000"/>
                     </a:solidFill>
@@ -9621,7 +9621,7 @@
               </a:ln>
               <a:extLst>
                 <a:ext uri="{91240B29-F687-4f45-9708-019B960494DF}">
-                  <a14:hiddenLine xmlns="" xmlns:a14="http://schemas.microsoft.com/office/drawing/2010/main" w="9525">
+                  <a14:hiddenLine xmlns:a14="http://schemas.microsoft.com/office/drawing/2010/main" xmlns="" w="9525">
                     <a:solidFill>
                       <a:srgbClr val="000000"/>
                     </a:solidFill>
@@ -9711,7 +9711,7 @@
               </a:ln>
               <a:extLst>
                 <a:ext uri="{91240B29-F687-4f45-9708-019B960494DF}">
-                  <a14:hiddenLine xmlns="" xmlns:a14="http://schemas.microsoft.com/office/drawing/2010/main" w="9525">
+                  <a14:hiddenLine xmlns:a14="http://schemas.microsoft.com/office/drawing/2010/main" xmlns="" w="9525">
                     <a:solidFill>
                       <a:srgbClr val="000000"/>
                     </a:solidFill>
@@ -9773,7 +9773,7 @@
               </a:ln>
               <a:extLst>
                 <a:ext uri="{91240B29-F687-4f45-9708-019B960494DF}">
-                  <a14:hiddenLine xmlns="" xmlns:a14="http://schemas.microsoft.com/office/drawing/2010/main" w="9525">
+                  <a14:hiddenLine xmlns:a14="http://schemas.microsoft.com/office/drawing/2010/main" xmlns="" w="9525">
                     <a:solidFill>
                       <a:srgbClr val="000000"/>
                     </a:solidFill>
@@ -9883,7 +9883,7 @@
               </a:ln>
               <a:extLst>
                 <a:ext uri="{91240B29-F687-4f45-9708-019B960494DF}">
-                  <a14:hiddenLine xmlns="" xmlns:a14="http://schemas.microsoft.com/office/drawing/2010/main" w="9525">
+                  <a14:hiddenLine xmlns:a14="http://schemas.microsoft.com/office/drawing/2010/main" xmlns="" w="9525">
                     <a:solidFill>
                       <a:srgbClr val="000000"/>
                     </a:solidFill>
@@ -9967,7 +9967,7 @@
               </a:ln>
               <a:extLst>
                 <a:ext uri="{91240B29-F687-4f45-9708-019B960494DF}">
-                  <a14:hiddenLine xmlns="" xmlns:a14="http://schemas.microsoft.com/office/drawing/2010/main" w="9525">
+                  <a14:hiddenLine xmlns:a14="http://schemas.microsoft.com/office/drawing/2010/main" xmlns="" w="9525">
                     <a:solidFill>
                       <a:srgbClr val="000000"/>
                     </a:solidFill>
@@ -10029,7 +10029,7 @@
               </a:ln>
               <a:extLst>
                 <a:ext uri="{91240B29-F687-4f45-9708-019B960494DF}">
-                  <a14:hiddenLine xmlns="" xmlns:a14="http://schemas.microsoft.com/office/drawing/2010/main" w="9525">
+                  <a14:hiddenLine xmlns:a14="http://schemas.microsoft.com/office/drawing/2010/main" xmlns="" w="9525">
                     <a:solidFill>
                       <a:srgbClr val="000000"/>
                     </a:solidFill>
@@ -10091,7 +10091,7 @@
               </a:ln>
               <a:extLst>
                 <a:ext uri="{91240B29-F687-4f45-9708-019B960494DF}">
-                  <a14:hiddenLine xmlns="" xmlns:a14="http://schemas.microsoft.com/office/drawing/2010/main" w="9525">
+                  <a14:hiddenLine xmlns:a14="http://schemas.microsoft.com/office/drawing/2010/main" xmlns="" w="9525">
                     <a:solidFill>
                       <a:srgbClr val="000000"/>
                     </a:solidFill>
@@ -10181,7 +10181,7 @@
               </a:ln>
               <a:extLst>
                 <a:ext uri="{91240B29-F687-4f45-9708-019B960494DF}">
-                  <a14:hiddenLine xmlns="" xmlns:a14="http://schemas.microsoft.com/office/drawing/2010/main" w="9525">
+                  <a14:hiddenLine xmlns:a14="http://schemas.microsoft.com/office/drawing/2010/main" xmlns="" w="9525">
                     <a:solidFill>
                       <a:srgbClr val="000000"/>
                     </a:solidFill>
@@ -10215,7 +10215,7 @@
               </a:ln>
               <a:extLst>
                 <a:ext uri="{91240B29-F687-4f45-9708-019B960494DF}">
-                  <a14:hiddenLine xmlns="" xmlns:a14="http://schemas.microsoft.com/office/drawing/2010/main" w="9525">
+                  <a14:hiddenLine xmlns:a14="http://schemas.microsoft.com/office/drawing/2010/main" xmlns="" w="9525">
                     <a:solidFill>
                       <a:srgbClr val="000000"/>
                     </a:solidFill>
@@ -10280,7 +10280,7 @@
               </a:ln>
               <a:extLst>
                 <a:ext uri="{91240B29-F687-4f45-9708-019B960494DF}">
-                  <a14:hiddenLine xmlns="" xmlns:a14="http://schemas.microsoft.com/office/drawing/2010/main" w="9525">
+                  <a14:hiddenLine xmlns:a14="http://schemas.microsoft.com/office/drawing/2010/main" xmlns="" w="9525">
                     <a:solidFill>
                       <a:srgbClr val="000000"/>
                     </a:solidFill>
@@ -10370,7 +10370,7 @@
               </a:ln>
               <a:extLst>
                 <a:ext uri="{91240B29-F687-4f45-9708-019B960494DF}">
-                  <a14:hiddenLine xmlns="" xmlns:a14="http://schemas.microsoft.com/office/drawing/2010/main" w="9525">
+                  <a14:hiddenLine xmlns:a14="http://schemas.microsoft.com/office/drawing/2010/main" xmlns="" w="9525">
                     <a:solidFill>
                       <a:srgbClr val="000000"/>
                     </a:solidFill>
@@ -10432,7 +10432,7 @@
               </a:ln>
               <a:extLst>
                 <a:ext uri="{91240B29-F687-4f45-9708-019B960494DF}">
-                  <a14:hiddenLine xmlns="" xmlns:a14="http://schemas.microsoft.com/office/drawing/2010/main" w="9525">
+                  <a14:hiddenLine xmlns:a14="http://schemas.microsoft.com/office/drawing/2010/main" xmlns="" w="9525">
                     <a:solidFill>
                       <a:srgbClr val="000000"/>
                     </a:solidFill>
@@ -10522,7 +10522,7 @@
               </a:ln>
               <a:extLst>
                 <a:ext uri="{91240B29-F687-4f45-9708-019B960494DF}">
-                  <a14:hiddenLine xmlns="" xmlns:a14="http://schemas.microsoft.com/office/drawing/2010/main" w="9525">
+                  <a14:hiddenLine xmlns:a14="http://schemas.microsoft.com/office/drawing/2010/main" xmlns="" w="9525">
                     <a:solidFill>
                       <a:srgbClr val="000000"/>
                     </a:solidFill>
@@ -10587,7 +10587,7 @@
               </a:ln>
               <a:extLst>
                 <a:ext uri="{91240B29-F687-4f45-9708-019B960494DF}">
-                  <a14:hiddenLine xmlns="" xmlns:a14="http://schemas.microsoft.com/office/drawing/2010/main" w="9525">
+                  <a14:hiddenLine xmlns:a14="http://schemas.microsoft.com/office/drawing/2010/main" xmlns="" w="9525">
                     <a:solidFill>
                       <a:srgbClr val="000000"/>
                     </a:solidFill>
@@ -10649,7 +10649,7 @@
               </a:ln>
               <a:extLst>
                 <a:ext uri="{91240B29-F687-4f45-9708-019B960494DF}">
-                  <a14:hiddenLine xmlns="" xmlns:a14="http://schemas.microsoft.com/office/drawing/2010/main" w="9525">
+                  <a14:hiddenLine xmlns:a14="http://schemas.microsoft.com/office/drawing/2010/main" xmlns="" w="9525">
                     <a:solidFill>
                       <a:srgbClr val="000000"/>
                     </a:solidFill>
@@ -10739,7 +10739,7 @@
               </a:ln>
               <a:extLst>
                 <a:ext uri="{91240B29-F687-4f45-9708-019B960494DF}">
-                  <a14:hiddenLine xmlns="" xmlns:a14="http://schemas.microsoft.com/office/drawing/2010/main" w="9525">
+                  <a14:hiddenLine xmlns:a14="http://schemas.microsoft.com/office/drawing/2010/main" xmlns="" w="9525">
                     <a:solidFill>
                       <a:srgbClr val="000000"/>
                     </a:solidFill>
@@ -10829,7 +10829,7 @@
               </a:ln>
               <a:extLst>
                 <a:ext uri="{91240B29-F687-4f45-9708-019B960494DF}">
-                  <a14:hiddenLine xmlns="" xmlns:a14="http://schemas.microsoft.com/office/drawing/2010/main" w="9525">
+                  <a14:hiddenLine xmlns:a14="http://schemas.microsoft.com/office/drawing/2010/main" xmlns="" w="9525">
                     <a:solidFill>
                       <a:srgbClr val="000000"/>
                     </a:solidFill>
@@ -10894,7 +10894,7 @@
               </a:ln>
               <a:extLst>
                 <a:ext uri="{91240B29-F687-4f45-9708-019B960494DF}">
-                  <a14:hiddenLine xmlns="" xmlns:a14="http://schemas.microsoft.com/office/drawing/2010/main" w="9525">
+                  <a14:hiddenLine xmlns:a14="http://schemas.microsoft.com/office/drawing/2010/main" xmlns="" w="9525">
                     <a:solidFill>
                       <a:srgbClr val="000000"/>
                     </a:solidFill>
@@ -11014,7 +11014,7 @@
               </a:ln>
               <a:extLst>
                 <a:ext uri="{91240B29-F687-4f45-9708-019B960494DF}">
-                  <a14:hiddenLine xmlns="" xmlns:a14="http://schemas.microsoft.com/office/drawing/2010/main" w="9525">
+                  <a14:hiddenLine xmlns:a14="http://schemas.microsoft.com/office/drawing/2010/main" xmlns="" w="9525">
                     <a:solidFill>
                       <a:srgbClr val="000000"/>
                     </a:solidFill>
@@ -11112,7 +11112,7 @@
               </a:ln>
               <a:extLst>
                 <a:ext uri="{91240B29-F687-4f45-9708-019B960494DF}">
-                  <a14:hiddenLine xmlns="" xmlns:a14="http://schemas.microsoft.com/office/drawing/2010/main" w="9525">
+                  <a14:hiddenLine xmlns:a14="http://schemas.microsoft.com/office/drawing/2010/main" xmlns="" w="9525">
                     <a:solidFill>
                       <a:srgbClr val="000000"/>
                     </a:solidFill>
@@ -11227,7 +11227,7 @@
               </a:ln>
               <a:extLst>
                 <a:ext uri="{91240B29-F687-4f45-9708-019B960494DF}">
-                  <a14:hiddenLine xmlns="" xmlns:a14="http://schemas.microsoft.com/office/drawing/2010/main" w="9525">
+                  <a14:hiddenLine xmlns:a14="http://schemas.microsoft.com/office/drawing/2010/main" xmlns="" w="9525">
                     <a:solidFill>
                       <a:srgbClr val="000000"/>
                     </a:solidFill>
@@ -11317,7 +11317,7 @@
               </a:ln>
               <a:extLst>
                 <a:ext uri="{91240B29-F687-4f45-9708-019B960494DF}">
-                  <a14:hiddenLine xmlns="" xmlns:a14="http://schemas.microsoft.com/office/drawing/2010/main" w="9525">
+                  <a14:hiddenLine xmlns:a14="http://schemas.microsoft.com/office/drawing/2010/main" xmlns="" w="9525">
                     <a:solidFill>
                       <a:srgbClr val="000000"/>
                     </a:solidFill>
@@ -11382,7 +11382,7 @@
               </a:ln>
               <a:extLst>
                 <a:ext uri="{91240B29-F687-4f45-9708-019B960494DF}">
-                  <a14:hiddenLine xmlns="" xmlns:a14="http://schemas.microsoft.com/office/drawing/2010/main" w="9525">
+                  <a14:hiddenLine xmlns:a14="http://schemas.microsoft.com/office/drawing/2010/main" xmlns="" w="9525">
                     <a:solidFill>
                       <a:srgbClr val="000000"/>
                     </a:solidFill>
@@ -11472,7 +11472,7 @@
               </a:ln>
               <a:extLst>
                 <a:ext uri="{91240B29-F687-4f45-9708-019B960494DF}">
-                  <a14:hiddenLine xmlns="" xmlns:a14="http://schemas.microsoft.com/office/drawing/2010/main" w="9525">
+                  <a14:hiddenLine xmlns:a14="http://schemas.microsoft.com/office/drawing/2010/main" xmlns="" w="9525">
                     <a:solidFill>
                       <a:srgbClr val="000000"/>
                     </a:solidFill>
@@ -11540,7 +11540,7 @@
               </a:ln>
               <a:extLst>
                 <a:ext uri="{91240B29-F687-4f45-9708-019B960494DF}">
-                  <a14:hiddenLine xmlns="" xmlns:a14="http://schemas.microsoft.com/office/drawing/2010/main" w="9525">
+                  <a14:hiddenLine xmlns:a14="http://schemas.microsoft.com/office/drawing/2010/main" xmlns="" w="9525">
                     <a:solidFill>
                       <a:srgbClr val="000000"/>
                     </a:solidFill>
@@ -11630,7 +11630,7 @@
               </a:ln>
               <a:extLst>
                 <a:ext uri="{91240B29-F687-4f45-9708-019B960494DF}">
-                  <a14:hiddenLine xmlns="" xmlns:a14="http://schemas.microsoft.com/office/drawing/2010/main" w="9525">
+                  <a14:hiddenLine xmlns:a14="http://schemas.microsoft.com/office/drawing/2010/main" xmlns="" w="9525">
                     <a:solidFill>
                       <a:srgbClr val="000000"/>
                     </a:solidFill>
@@ -11698,7 +11698,7 @@
               </a:ln>
               <a:extLst>
                 <a:ext uri="{91240B29-F687-4f45-9708-019B960494DF}">
-                  <a14:hiddenLine xmlns="" xmlns:a14="http://schemas.microsoft.com/office/drawing/2010/main" w="9525">
+                  <a14:hiddenLine xmlns:a14="http://schemas.microsoft.com/office/drawing/2010/main" xmlns="" w="9525">
                     <a:solidFill>
                       <a:srgbClr val="000000"/>
                     </a:solidFill>
@@ -11788,7 +11788,7 @@
               </a:ln>
               <a:extLst>
                 <a:ext uri="{91240B29-F687-4f45-9708-019B960494DF}">
-                  <a14:hiddenLine xmlns="" xmlns:a14="http://schemas.microsoft.com/office/drawing/2010/main" w="9525">
+                  <a14:hiddenLine xmlns:a14="http://schemas.microsoft.com/office/drawing/2010/main" xmlns="" w="9525">
                     <a:solidFill>
                       <a:srgbClr val="000000"/>
                     </a:solidFill>
@@ -11822,7 +11822,7 @@
               </a:ln>
               <a:extLst>
                 <a:ext uri="{91240B29-F687-4f45-9708-019B960494DF}">
-                  <a14:hiddenLine xmlns="" xmlns:a14="http://schemas.microsoft.com/office/drawing/2010/main" w="9525">
+                  <a14:hiddenLine xmlns:a14="http://schemas.microsoft.com/office/drawing/2010/main" xmlns="" w="9525">
                     <a:solidFill>
                       <a:srgbClr val="000000"/>
                     </a:solidFill>
@@ -12489,28 +12489,8 @@
           </a:p>
           <a:p>
             <a:r>
-              <a:rPr lang="es-ES" dirty="0" err="1"/>
-              <a:t>Dataset</a:t>
-            </a:r>
-            <a:r>
               <a:rPr lang="es-ES" dirty="0"/>
-              <a:t> disponible en </a:t>
-            </a:r>
-            <a:r>
-              <a:rPr lang="es-ES" dirty="0" err="1"/>
-              <a:t>Kaggle</a:t>
-            </a:r>
-            <a:r>
-              <a:rPr lang="es-ES" dirty="0"/>
-              <a:t>, proporcionado por Paolo </a:t>
-            </a:r>
-            <a:r>
-              <a:rPr lang="es-ES" dirty="0" err="1"/>
-              <a:t>D'Elia</a:t>
-            </a:r>
-            <a:r>
-              <a:rPr lang="es-ES" dirty="0"/>
-              <a:t>.</a:t>
+              <a:t>Data set disponible en Kaggle, proporcionado por Paolo D'Elia.</a:t>
             </a:r>
           </a:p>
         </p:txBody>
@@ -14554,13 +14534,8 @@
           <a:p>
             <a:r>
               <a:rPr lang="es-ES" sz="3200" b="1" dirty="0"/>
-              <a:t>Archivos Clave del </a:t>
-            </a:r>
-            <a:r>
-              <a:rPr lang="es-ES" sz="3200" b="1" dirty="0" err="1"/>
-              <a:t>Dataset</a:t>
-            </a:r>
-            <a:endParaRPr lang="es-ES" sz="3200" b="1" dirty="0"/>
+              <a:t>Archivos Clave del Data set</a:t>
+            </a:r>
           </a:p>
           <a:p>
             <a:endParaRPr lang="es-ES" b="1" dirty="0"/>
@@ -14658,15 +14633,7 @@
             </a:r>
             <a:r>
               <a:rPr lang="es-ES" sz="2400" dirty="0"/>
-              <a:t> Expresados en €/</a:t>
-            </a:r>
-            <a:r>
-              <a:rPr lang="es-ES" sz="2400" dirty="0" err="1"/>
-              <a:t>MWh</a:t>
-            </a:r>
-            <a:r>
-              <a:rPr lang="es-ES" sz="2400" dirty="0"/>
-              <a:t>, considerando tendencias económicas.</a:t>
+              <a:t> Expresados en €/MWh, considerando tendencias económicas.</a:t>
             </a:r>
           </a:p>
           <a:p>
@@ -15002,13 +14969,8 @@
             </a:r>
             <a:r>
               <a:rPr lang="es-ES" sz="1200" dirty="0"/>
-              <a:t> 555.00 €/</a:t>
-            </a:r>
-            <a:r>
-              <a:rPr lang="es-ES" sz="1200" dirty="0" err="1"/>
-              <a:t>MWh</a:t>
-            </a:r>
-            <a:endParaRPr lang="es-ES" sz="1200" dirty="0"/>
+              <a:t> 555.00 €/MWh</a:t>
+            </a:r>
           </a:p>
           <a:p>
             <a:pPr>
@@ -15016,22 +14978,13 @@
               <a:buChar char="•"/>
             </a:pPr>
             <a:r>
-              <a:rPr lang="es-ES" sz="1200" b="1" dirty="0" err="1"/>
-              <a:t>Sardinia</a:t>
-            </a:r>
-            <a:r>
               <a:rPr lang="es-ES" sz="1200" b="1" dirty="0"/>
-              <a:t>:</a:t>
+              <a:t>Sardinia:</a:t>
             </a:r>
             <a:r>
               <a:rPr lang="es-ES" sz="1200" dirty="0"/>
-              <a:t> 533.19 €/</a:t>
-            </a:r>
-            <a:r>
-              <a:rPr lang="es-ES" sz="1200" dirty="0" err="1"/>
-              <a:t>MWh</a:t>
-            </a:r>
-            <a:endParaRPr lang="es-ES" sz="1200" dirty="0"/>
+              <a:t> 533.19 €/MWh</a:t>
+            </a:r>
           </a:p>
           <a:p>
             <a:pPr>
@@ -15039,24 +14992,12 @@
               <a:buChar char="•"/>
             </a:pPr>
             <a:r>
-              <a:rPr lang="es-ES" sz="1200" b="1" dirty="0" err="1"/>
-              <a:t>Sicily</a:t>
-            </a:r>
-            <a:r>
               <a:rPr lang="es-ES" sz="1200" b="1" dirty="0"/>
-              <a:t>:</a:t>
+              <a:t>Sicily:</a:t>
             </a:r>
             <a:r>
               <a:rPr lang="es-ES" sz="1200" dirty="0"/>
-              <a:t> 3000.00 €/</a:t>
-            </a:r>
-            <a:r>
-              <a:rPr lang="es-ES" sz="1200" dirty="0" err="1"/>
-              <a:t>MWh</a:t>
-            </a:r>
-            <a:r>
-              <a:rPr lang="es-ES" sz="1200" dirty="0"/>
-              <a:t> (2012, excepcional)</a:t>
+              <a:t> 3000.00 €/MWh (2012, excepcional)</a:t>
             </a:r>
           </a:p>
           <a:p>
@@ -15070,13 +15011,8 @@
             </a:r>
             <a:r>
               <a:rPr lang="es-ES" sz="1200" dirty="0"/>
-              <a:t> 533.19 €/</a:t>
-            </a:r>
-            <a:r>
-              <a:rPr lang="es-ES" sz="1200" dirty="0" err="1"/>
-              <a:t>MWh</a:t>
-            </a:r>
-            <a:endParaRPr lang="es-ES" sz="1200" dirty="0"/>
+              <a:t> 533.19 €/MWh</a:t>
+            </a:r>
           </a:p>
           <a:p>
             <a:pPr>
@@ -15089,13 +15025,8 @@
             </a:r>
             <a:r>
               <a:rPr lang="es-ES" sz="1200" dirty="0"/>
-              <a:t> 533.19 €/</a:t>
-            </a:r>
-            <a:r>
-              <a:rPr lang="es-ES" sz="1200" dirty="0" err="1"/>
-              <a:t>MWh</a:t>
-            </a:r>
-            <a:endParaRPr lang="es-ES" sz="1200" dirty="0"/>
+              <a:t> 533.19 €/MWh</a:t>
+            </a:r>
           </a:p>
           <a:p>
             <a:pPr>
@@ -15108,13 +15039,8 @@
             </a:r>
             <a:r>
               <a:rPr lang="es-ES" sz="1200" dirty="0"/>
-              <a:t> 555.00 €/</a:t>
-            </a:r>
-            <a:r>
-              <a:rPr lang="es-ES" sz="1200" dirty="0" err="1"/>
-              <a:t>MWh</a:t>
-            </a:r>
-            <a:endParaRPr lang="es-ES" sz="1200" dirty="0"/>
+              <a:t> 555.00 €/MWh</a:t>
+            </a:r>
           </a:p>
           <a:p>
             <a:endParaRPr lang="es-ES" sz="2000" dirty="0"/>
@@ -15401,15 +15327,7 @@
             </a:r>
             <a:r>
               <a:rPr lang="es-ES" dirty="0"/>
-              <a:t> Tarde/Noche (</a:t>
-            </a:r>
-            <a:r>
-              <a:rPr lang="es-ES" dirty="0" err="1"/>
-              <a:t>Evening</a:t>
-            </a:r>
-            <a:r>
-              <a:rPr lang="es-ES" dirty="0"/>
-              <a:t>).</a:t>
+              <a:t> Tarde/Noche (Evening).</a:t>
             </a:r>
             <a:endParaRPr lang="es-ES" b="1" dirty="0"/>
           </a:p>
@@ -15555,11 +15473,7 @@
             </a:r>
             <a:r>
               <a:rPr lang="es-ES" sz="2400" b="1" dirty="0"/>
-              <a:t>74.15 €/</a:t>
-            </a:r>
-            <a:r>
-              <a:rPr lang="es-ES" sz="2400" b="1" dirty="0" err="1"/>
-              <a:t>MWh</a:t>
+              <a:t>74.15 €/MWh</a:t>
             </a:r>
             <a:r>
               <a:rPr lang="es-ES" sz="2400" dirty="0"/>
@@ -15580,11 +15494,7 @@
             </a:r>
             <a:r>
               <a:rPr lang="es-ES" sz="2400" b="1" dirty="0"/>
-              <a:t>58.73 €/</a:t>
-            </a:r>
-            <a:r>
-              <a:rPr lang="es-ES" sz="2400" b="1" dirty="0" err="1"/>
-              <a:t>MWh</a:t>
+              <a:t>58.73 €/MWh</a:t>
             </a:r>
             <a:r>
               <a:rPr lang="es-ES" sz="2400" dirty="0"/>
@@ -15605,11 +15515,7 @@
             </a:r>
             <a:r>
               <a:rPr lang="es-ES" sz="2400" b="1" dirty="0"/>
-              <a:t>61.75 €/</a:t>
-            </a:r>
-            <a:r>
-              <a:rPr lang="es-ES" sz="2400" b="1" dirty="0" err="1"/>
-              <a:t>MWh</a:t>
+              <a:t>61.75 €/MWh</a:t>
             </a:r>
             <a:r>
               <a:rPr lang="es-ES" sz="2400" dirty="0"/>
@@ -15636,11 +15542,7 @@
             </a:r>
             <a:r>
               <a:rPr lang="es-ES" sz="2400" b="1" dirty="0"/>
-              <a:t>+12.40 €/</a:t>
-            </a:r>
-            <a:r>
-              <a:rPr lang="es-ES" sz="2400" b="1" dirty="0" err="1"/>
-              <a:t>MWh</a:t>
+              <a:t>+12.40 €/MWh</a:t>
             </a:r>
             <a:r>
               <a:rPr lang="es-ES" sz="2400" dirty="0"/>
